--- a/base.camp - Vue, D3.pptx
+++ b/base.camp - Vue, D3.pptx
@@ -287,7 +287,7 @@
           <a:p>
             <a:fld id="{EEA9274E-3BF2-4ACE-8B63-D63EAFAD61CA}" type="datetimeFigureOut">
               <a:rPr lang="de-DE" smtClean="0"/>
-              <a:t>13.05.2019</a:t>
+              <a:t>14.05.2019</a:t>
             </a:fld>
             <a:endParaRPr lang="de-DE"/>
           </a:p>
@@ -329,7 +329,7 @@
           <a:p>
             <a:fld id="{32D63B6F-3504-4A0E-A320-C20D27EBCD3B}" type="slidenum">
               <a:rPr lang="de-DE" smtClean="0"/>
-              <a:t>‹Nr.›</a:t>
+              <a:t>‹#›</a:t>
             </a:fld>
             <a:endParaRPr lang="de-DE"/>
           </a:p>
@@ -457,7 +457,7 @@
           <a:p>
             <a:fld id="{EEA9274E-3BF2-4ACE-8B63-D63EAFAD61CA}" type="datetimeFigureOut">
               <a:rPr lang="de-DE" smtClean="0"/>
-              <a:t>13.05.2019</a:t>
+              <a:t>14.05.2019</a:t>
             </a:fld>
             <a:endParaRPr lang="de-DE"/>
           </a:p>
@@ -499,7 +499,7 @@
           <a:p>
             <a:fld id="{32D63B6F-3504-4A0E-A320-C20D27EBCD3B}" type="slidenum">
               <a:rPr lang="de-DE" smtClean="0"/>
-              <a:t>‹Nr.›</a:t>
+              <a:t>‹#›</a:t>
             </a:fld>
             <a:endParaRPr lang="de-DE"/>
           </a:p>
@@ -637,7 +637,7 @@
           <a:p>
             <a:fld id="{EEA9274E-3BF2-4ACE-8B63-D63EAFAD61CA}" type="datetimeFigureOut">
               <a:rPr lang="de-DE" smtClean="0"/>
-              <a:t>13.05.2019</a:t>
+              <a:t>14.05.2019</a:t>
             </a:fld>
             <a:endParaRPr lang="de-DE"/>
           </a:p>
@@ -679,7 +679,7 @@
           <a:p>
             <a:fld id="{32D63B6F-3504-4A0E-A320-C20D27EBCD3B}" type="slidenum">
               <a:rPr lang="de-DE" smtClean="0"/>
-              <a:t>‹Nr.›</a:t>
+              <a:t>‹#›</a:t>
             </a:fld>
             <a:endParaRPr lang="de-DE"/>
           </a:p>
@@ -807,7 +807,7 @@
           <a:p>
             <a:fld id="{EEA9274E-3BF2-4ACE-8B63-D63EAFAD61CA}" type="datetimeFigureOut">
               <a:rPr lang="de-DE" smtClean="0"/>
-              <a:t>13.05.2019</a:t>
+              <a:t>14.05.2019</a:t>
             </a:fld>
             <a:endParaRPr lang="de-DE"/>
           </a:p>
@@ -849,7 +849,7 @@
           <a:p>
             <a:fld id="{32D63B6F-3504-4A0E-A320-C20D27EBCD3B}" type="slidenum">
               <a:rPr lang="de-DE" smtClean="0"/>
-              <a:t>‹Nr.›</a:t>
+              <a:t>‹#›</a:t>
             </a:fld>
             <a:endParaRPr lang="de-DE"/>
           </a:p>
@@ -1075,7 +1075,7 @@
           <a:p>
             <a:fld id="{EEA9274E-3BF2-4ACE-8B63-D63EAFAD61CA}" type="datetimeFigureOut">
               <a:rPr lang="de-DE" smtClean="0"/>
-              <a:t>13.05.2019</a:t>
+              <a:t>14.05.2019</a:t>
             </a:fld>
             <a:endParaRPr lang="de-DE"/>
           </a:p>
@@ -1117,7 +1117,7 @@
           <a:p>
             <a:fld id="{32D63B6F-3504-4A0E-A320-C20D27EBCD3B}" type="slidenum">
               <a:rPr lang="de-DE" smtClean="0"/>
-              <a:t>‹Nr.›</a:t>
+              <a:t>‹#›</a:t>
             </a:fld>
             <a:endParaRPr lang="de-DE"/>
           </a:p>
@@ -1307,7 +1307,7 @@
           <a:p>
             <a:fld id="{EEA9274E-3BF2-4ACE-8B63-D63EAFAD61CA}" type="datetimeFigureOut">
               <a:rPr lang="de-DE" smtClean="0"/>
-              <a:t>13.05.2019</a:t>
+              <a:t>14.05.2019</a:t>
             </a:fld>
             <a:endParaRPr lang="de-DE"/>
           </a:p>
@@ -1349,7 +1349,7 @@
           <a:p>
             <a:fld id="{32D63B6F-3504-4A0E-A320-C20D27EBCD3B}" type="slidenum">
               <a:rPr lang="de-DE" smtClean="0"/>
-              <a:t>‹Nr.›</a:t>
+              <a:t>‹#›</a:t>
             </a:fld>
             <a:endParaRPr lang="de-DE"/>
           </a:p>
@@ -1666,7 +1666,7 @@
           <a:p>
             <a:fld id="{EEA9274E-3BF2-4ACE-8B63-D63EAFAD61CA}" type="datetimeFigureOut">
               <a:rPr lang="de-DE" smtClean="0"/>
-              <a:t>13.05.2019</a:t>
+              <a:t>14.05.2019</a:t>
             </a:fld>
             <a:endParaRPr lang="de-DE"/>
           </a:p>
@@ -1708,7 +1708,7 @@
           <a:p>
             <a:fld id="{32D63B6F-3504-4A0E-A320-C20D27EBCD3B}" type="slidenum">
               <a:rPr lang="de-DE" smtClean="0"/>
-              <a:t>‹Nr.›</a:t>
+              <a:t>‹#›</a:t>
             </a:fld>
             <a:endParaRPr lang="de-DE"/>
           </a:p>
@@ -1807,7 +1807,7 @@
           <a:p>
             <a:fld id="{EEA9274E-3BF2-4ACE-8B63-D63EAFAD61CA}" type="datetimeFigureOut">
               <a:rPr lang="de-DE" smtClean="0"/>
-              <a:t>13.05.2019</a:t>
+              <a:t>14.05.2019</a:t>
             </a:fld>
             <a:endParaRPr lang="de-DE"/>
           </a:p>
@@ -1849,7 +1849,7 @@
           <a:p>
             <a:fld id="{32D63B6F-3504-4A0E-A320-C20D27EBCD3B}" type="slidenum">
               <a:rPr lang="de-DE" smtClean="0"/>
-              <a:t>‹Nr.›</a:t>
+              <a:t>‹#›</a:t>
             </a:fld>
             <a:endParaRPr lang="de-DE"/>
           </a:p>
@@ -1902,7 +1902,7 @@
           <a:p>
             <a:fld id="{EEA9274E-3BF2-4ACE-8B63-D63EAFAD61CA}" type="datetimeFigureOut">
               <a:rPr lang="de-DE" smtClean="0"/>
-              <a:t>13.05.2019</a:t>
+              <a:t>14.05.2019</a:t>
             </a:fld>
             <a:endParaRPr lang="de-DE"/>
           </a:p>
@@ -1944,7 +1944,7 @@
           <a:p>
             <a:fld id="{32D63B6F-3504-4A0E-A320-C20D27EBCD3B}" type="slidenum">
               <a:rPr lang="de-DE" smtClean="0"/>
-              <a:t>‹Nr.›</a:t>
+              <a:t>‹#›</a:t>
             </a:fld>
             <a:endParaRPr lang="de-DE"/>
           </a:p>
@@ -2259,7 +2259,7 @@
           <a:p>
             <a:fld id="{EEA9274E-3BF2-4ACE-8B63-D63EAFAD61CA}" type="datetimeFigureOut">
               <a:rPr lang="de-DE" smtClean="0"/>
-              <a:t>13.05.2019</a:t>
+              <a:t>14.05.2019</a:t>
             </a:fld>
             <a:endParaRPr lang="de-DE"/>
           </a:p>
@@ -2316,7 +2316,7 @@
           <a:p>
             <a:fld id="{32D63B6F-3504-4A0E-A320-C20D27EBCD3B}" type="slidenum">
               <a:rPr lang="de-DE" smtClean="0"/>
-              <a:t>‹Nr.›</a:t>
+              <a:t>‹#›</a:t>
             </a:fld>
             <a:endParaRPr lang="de-DE"/>
           </a:p>
@@ -2616,7 +2616,7 @@
           <a:p>
             <a:fld id="{EEA9274E-3BF2-4ACE-8B63-D63EAFAD61CA}" type="datetimeFigureOut">
               <a:rPr lang="de-DE" smtClean="0"/>
-              <a:t>13.05.2019</a:t>
+              <a:t>14.05.2019</a:t>
             </a:fld>
             <a:endParaRPr lang="de-DE"/>
           </a:p>
@@ -2673,7 +2673,7 @@
           <a:p>
             <a:fld id="{32D63B6F-3504-4A0E-A320-C20D27EBCD3B}" type="slidenum">
               <a:rPr lang="de-DE" smtClean="0"/>
-              <a:t>‹Nr.›</a:t>
+              <a:t>‹#›</a:t>
             </a:fld>
             <a:endParaRPr lang="de-DE"/>
           </a:p>
@@ -2858,7 +2858,7 @@
           <a:p>
             <a:fld id="{EEA9274E-3BF2-4ACE-8B63-D63EAFAD61CA}" type="datetimeFigureOut">
               <a:rPr lang="de-DE" smtClean="0"/>
-              <a:t>13.05.2019</a:t>
+              <a:t>14.05.2019</a:t>
             </a:fld>
             <a:endParaRPr lang="de-DE"/>
           </a:p>
@@ -2941,7 +2941,7 @@
           <a:p>
             <a:fld id="{32D63B6F-3504-4A0E-A320-C20D27EBCD3B}" type="slidenum">
               <a:rPr lang="de-DE" smtClean="0"/>
-              <a:t>‹Nr.›</a:t>
+              <a:t>‹#›</a:t>
             </a:fld>
             <a:endParaRPr lang="de-DE"/>
           </a:p>
@@ -3862,14 +3862,14 @@
           <p:nvPr>
             <p:extLst>
               <p:ext uri="{D42A27DB-BD31-4B8C-83A1-F6EECF244321}">
-                <p14:modId xmlns:p14="http://schemas.microsoft.com/office/powerpoint/2010/main" val="4280869922"/>
+                <p14:modId xmlns:p14="http://schemas.microsoft.com/office/powerpoint/2010/main" val="410253806"/>
               </p:ext>
             </p:extLst>
           </p:nvPr>
         </p:nvGraphicFramePr>
         <p:xfrm>
-          <a:off x="1602038" y="1174733"/>
-          <a:ext cx="8987924" cy="4514401"/>
+          <a:off x="1606938" y="1268760"/>
+          <a:ext cx="8987924" cy="5045133"/>
         </p:xfrm>
         <a:graphic>
           <a:graphicData uri="http://schemas.openxmlformats.org/drawingml/2006/table">
@@ -3893,7 +3893,7 @@
                   </a:extLst>
                 </a:gridCol>
               </a:tblGrid>
-              <a:tr h="603318">
+              <a:tr h="673527">
                 <a:tc>
                   <a:txBody>
                     <a:bodyPr/>
@@ -3901,7 +3901,7 @@
                     <a:p>
                       <a:pPr algn="ctr"/>
                       <a:r>
-                        <a:rPr lang="de-DE" sz="4400" dirty="0"/>
+                        <a:rPr lang="de-DE" sz="4000" dirty="0"/>
                         <a:t>D3.js</a:t>
                       </a:r>
                     </a:p>
@@ -3915,7 +3915,7 @@
                     <a:p>
                       <a:pPr algn="ctr"/>
                       <a:r>
-                        <a:rPr lang="de-DE" sz="4400" dirty="0"/>
+                        <a:rPr lang="de-DE" sz="4000" dirty="0"/>
                         <a:t>Chart.js</a:t>
                       </a:r>
                     </a:p>
@@ -3928,7 +3928,7 @@
                   </a:ext>
                 </a:extLst>
               </a:tr>
-              <a:tr h="941176">
+              <a:tr h="926504">
                 <a:tc>
                   <a:txBody>
                     <a:bodyPr/>
@@ -3936,7 +3936,7 @@
                     <a:p>
                       <a:pPr algn="ctr"/>
                       <a:r>
-                        <a:rPr lang="de-DE" sz="3200" dirty="0"/>
+                        <a:rPr lang="de-DE" sz="2800" dirty="0"/>
                         <a:t>Erstellt, manipuliert hauptsächlich SVG </a:t>
                       </a:r>
                     </a:p>
@@ -3950,15 +3950,15 @@
                     <a:p>
                       <a:pPr algn="ctr"/>
                       <a:r>
-                        <a:rPr lang="de-DE" sz="3200" dirty="0"/>
+                        <a:rPr lang="de-DE" sz="2800" dirty="0"/>
                         <a:t>Basiert auf </a:t>
                       </a:r>
                       <a:r>
-                        <a:rPr lang="de-DE" sz="3200" dirty="0" err="1"/>
+                        <a:rPr lang="de-DE" sz="2800" dirty="0" err="1"/>
                         <a:t>canvas</a:t>
                       </a:r>
                       <a:r>
-                        <a:rPr lang="de-DE" sz="3200" dirty="0"/>
+                        <a:rPr lang="de-DE" sz="2800" dirty="0"/>
                         <a:t>-Elementen</a:t>
                       </a:r>
                     </a:p>
@@ -3971,7 +3971,7 @@
                   </a:ext>
                 </a:extLst>
               </a:tr>
-              <a:tr h="1618801">
+              <a:tr h="1405909">
                 <a:tc>
                   <a:txBody>
                     <a:bodyPr/>
@@ -3979,7 +3979,7 @@
                     <a:p>
                       <a:pPr algn="ctr"/>
                       <a:r>
-                        <a:rPr lang="de-DE" sz="3200" dirty="0"/>
+                        <a:rPr lang="de-DE" sz="2800" dirty="0"/>
                         <a:t>Vielfältige, interaktive Visualisierungen möglich (flexibel)</a:t>
                       </a:r>
                     </a:p>
@@ -3993,7 +3993,7 @@
                     <a:p>
                       <a:pPr algn="ctr"/>
                       <a:r>
-                        <a:rPr lang="de-DE" sz="3200" dirty="0"/>
+                        <a:rPr lang="de-DE" sz="2800" dirty="0"/>
                         <a:t>Anzahl der möglichen Modelldarstellungen limitiert </a:t>
                       </a:r>
                     </a:p>
@@ -4006,7 +4006,7 @@
                   </a:ext>
                 </a:extLst>
               </a:tr>
-              <a:tr h="941176">
+              <a:tr h="926504">
                 <a:tc>
                   <a:txBody>
                     <a:bodyPr/>
@@ -4014,7 +4014,7 @@
                     <a:p>
                       <a:pPr algn="ctr"/>
                       <a:r>
-                        <a:rPr lang="de-DE" sz="3200" dirty="0"/>
+                        <a:rPr lang="de-DE" sz="2800" dirty="0"/>
                         <a:t>Komplexer, steile Lernkurve</a:t>
                       </a:r>
                     </a:p>
@@ -4028,7 +4028,7 @@
                     <a:p>
                       <a:pPr algn="ctr"/>
                       <a:r>
-                        <a:rPr lang="de-DE" sz="3200" dirty="0"/>
+                        <a:rPr lang="de-DE" sz="2800" dirty="0"/>
                         <a:t>Schneller, leichter Einstieg</a:t>
                       </a:r>
                     </a:p>
@@ -4038,6 +4038,97 @@
                 <a:extLst>
                   <a:ext uri="{0D108BD9-81ED-4DB2-BD59-A6C34878D82A}">
                     <a16:rowId xmlns:a16="http://schemas.microsoft.com/office/drawing/2014/main" val="3397405676"/>
+                  </a:ext>
+                </a:extLst>
+              </a:tr>
+              <a:tr h="937081">
+                <a:tc>
+                  <a:txBody>
+                    <a:bodyPr/>
+                    <a:lstStyle/>
+                    <a:p>
+                      <a:pPr algn="ctr"/>
+                      <a:r>
+                        <a:rPr lang="de-DE" sz="1600" dirty="0">
+                          <a:hlinkClick r:id="rId2"/>
+                        </a:rPr>
+                        <a:t>https://bl.ocks.org/kerryrodden/766f8f6d31f645c39f488a0befa1e3c8</a:t>
+                      </a:r>
+                      <a:endParaRPr lang="de-DE" sz="1600" dirty="0"/>
+                    </a:p>
+                    <a:p>
+                      <a:pPr algn="ctr"/>
+                      <a:r>
+                        <a:rPr lang="de-DE" sz="1600" dirty="0">
+                          <a:hlinkClick r:id="rId3"/>
+                        </a:rPr>
+                        <a:t>https://bl.ocks.org/mbostock/1283663</a:t>
+                      </a:r>
+                      <a:endParaRPr lang="de-DE" sz="1600" dirty="0"/>
+                    </a:p>
+                    <a:p>
+                      <a:pPr algn="ctr"/>
+                      <a:r>
+                        <a:rPr lang="de-DE" sz="1600" dirty="0">
+                          <a:hlinkClick r:id="rId4"/>
+                        </a:rPr>
+                        <a:t>https://bl.ocks.org/mbostock/3231298</a:t>
+                      </a:r>
+                      <a:endParaRPr lang="de-DE" sz="1600" dirty="0"/>
+                    </a:p>
+                  </a:txBody>
+                  <a:tcPr/>
+                </a:tc>
+                <a:tc>
+                  <a:txBody>
+                    <a:bodyPr/>
+                    <a:lstStyle/>
+                    <a:p>
+                      <a:pPr algn="ctr"/>
+                      <a:r>
+                        <a:rPr lang="de-DE" sz="1200" dirty="0">
+                          <a:hlinkClick r:id="rId5"/>
+                        </a:rPr>
+                        <a:t>https://www.chartjs.org/samples/latest/scales/time/combo.html</a:t>
+                      </a:r>
+                      <a:r>
+                        <a:rPr lang="de-DE" sz="1200" dirty="0"/>
+                        <a:t> </a:t>
+                      </a:r>
+                      <a:r>
+                        <a:rPr lang="de-DE" sz="1200" dirty="0">
+                          <a:hlinkClick r:id="rId6"/>
+                        </a:rPr>
+                        <a:t>https://www.chartjs.org/samples/latest/charts/bar/stacked-group.html</a:t>
+                      </a:r>
+                      <a:endParaRPr lang="de-DE" sz="1200" dirty="0"/>
+                    </a:p>
+                    <a:p>
+                      <a:pPr algn="ctr"/>
+                      <a:r>
+                        <a:rPr lang="de-DE" sz="1200" dirty="0">
+                          <a:hlinkClick r:id="rId7"/>
+                        </a:rPr>
+                        <a:t>https://www.chartjs.org/samples/latest/charts/pie.html</a:t>
+                      </a:r>
+                      <a:endParaRPr lang="de-DE" sz="1200" dirty="0"/>
+                    </a:p>
+                    <a:p>
+                      <a:pPr algn="ctr"/>
+                      <a:r>
+                        <a:rPr lang="de-DE" sz="1200" dirty="0">
+                          <a:hlinkClick r:id="rId8"/>
+                        </a:rPr>
+                        <a:t>https://www.chartjs.org/samples/latest/charts/area/radar.html</a:t>
+                      </a:r>
+                      <a:endParaRPr lang="de-DE" sz="1200" dirty="0"/>
+                    </a:p>
+                  </a:txBody>
+                  <a:tcPr/>
+                </a:tc>
+                <a:extLst>
+                  <a:ext uri="{0D108BD9-81ED-4DB2-BD59-A6C34878D82A}">
+                    <a16:rowId xmlns:a16="http://schemas.microsoft.com/office/drawing/2014/main" val="1558195462"/>
                   </a:ext>
                 </a:extLst>
               </a:tr>
@@ -4060,7 +4151,7 @@
           <p:nvPr/>
         </p:nvPicPr>
         <p:blipFill>
-          <a:blip r:embed="rId2"/>
+          <a:blip r:embed="rId9"/>
           <a:stretch>
             <a:fillRect/>
           </a:stretch>
@@ -4090,7 +4181,7 @@
           <p:nvPr/>
         </p:nvPicPr>
         <p:blipFill rotWithShape="1">
-          <a:blip r:embed="rId3">
+          <a:blip r:embed="rId10">
             <a:extLst>
               <a:ext uri="{28A0092B-C50C-407E-A947-70E740481C1C}">
                 <a14:useLocalDpi xmlns:a14="http://schemas.microsoft.com/office/drawing/2010/main" val="0"/>
@@ -5696,14 +5787,20 @@
         <p:spPr/>
         <p:txBody>
           <a:bodyPr>
-            <a:normAutofit/>
+            <a:normAutofit lnSpcReduction="10000"/>
           </a:bodyPr>
           <a:lstStyle/>
           <a:p>
             <a:r>
               <a:rPr lang="de-DE" sz="2000" dirty="0"/>
-              <a:t>Wiederholtes Rendern von Seitenelementen  </a:t>
-            </a:r>
+              <a:t>Wiederholtes Rendern von Seitenelementen</a:t>
+            </a:r>
+          </a:p>
+          <a:p>
+            <a:pPr marL="0" indent="0">
+              <a:buNone/>
+            </a:pPr>
+            <a:endParaRPr lang="de-DE" sz="2000" dirty="0"/>
           </a:p>
           <a:p>
             <a:r>
